--- a/Project/Chest Pneumonia Detection.pptx
+++ b/Project/Chest Pneumonia Detection.pptx
@@ -111,6 +111,11 @@
       </a:defRPr>
     </a:lvl9pPr>
   </p:defaultTextStyle>
+  <p:extLst>
+    <p:ext uri="{EFAFB233-063F-42B5-8137-9DF3F51BA10A}">
+      <p15:sldGuideLst xmlns:p15="http://schemas.microsoft.com/office/powerpoint/2012/main"/>
+    </p:ext>
+  </p:extLst>
 </p:presentation>
 </file>
 
@@ -10888,7 +10893,7 @@
           <a:p>
             <a:fld id="{5F71AB72-B2C5-44B5-90C7-8DCE8540FC7A}" type="datetimeFigureOut">
               <a:rPr lang="en-IN" smtClean="0"/>
-              <a:t>02-06-2020</a:t>
+              <a:t>03-06-2020</a:t>
             </a:fld>
             <a:endParaRPr lang="en-IN"/>
           </a:p>
@@ -11091,7 +11096,7 @@
           <a:p>
             <a:fld id="{5F71AB72-B2C5-44B5-90C7-8DCE8540FC7A}" type="datetimeFigureOut">
               <a:rPr lang="en-IN" smtClean="0"/>
-              <a:t>02-06-2020</a:t>
+              <a:t>03-06-2020</a:t>
             </a:fld>
             <a:endParaRPr lang="en-IN"/>
           </a:p>
@@ -11304,7 +11309,7 @@
           <a:p>
             <a:fld id="{5F71AB72-B2C5-44B5-90C7-8DCE8540FC7A}" type="datetimeFigureOut">
               <a:rPr lang="en-IN" smtClean="0"/>
-              <a:t>02-06-2020</a:t>
+              <a:t>03-06-2020</a:t>
             </a:fld>
             <a:endParaRPr lang="en-IN"/>
           </a:p>
@@ -11507,7 +11512,7 @@
           <a:p>
             <a:fld id="{5F71AB72-B2C5-44B5-90C7-8DCE8540FC7A}" type="datetimeFigureOut">
               <a:rPr lang="en-IN" smtClean="0"/>
-              <a:t>02-06-2020</a:t>
+              <a:t>03-06-2020</a:t>
             </a:fld>
             <a:endParaRPr lang="en-IN"/>
           </a:p>
@@ -11786,7 +11791,7 @@
           <a:p>
             <a:fld id="{5F71AB72-B2C5-44B5-90C7-8DCE8540FC7A}" type="datetimeFigureOut">
               <a:rPr lang="en-IN" smtClean="0"/>
-              <a:t>02-06-2020</a:t>
+              <a:t>03-06-2020</a:t>
             </a:fld>
             <a:endParaRPr lang="en-IN"/>
           </a:p>
@@ -12057,7 +12062,7 @@
           <a:p>
             <a:fld id="{5F71AB72-B2C5-44B5-90C7-8DCE8540FC7A}" type="datetimeFigureOut">
               <a:rPr lang="en-IN" smtClean="0"/>
-              <a:t>02-06-2020</a:t>
+              <a:t>03-06-2020</a:t>
             </a:fld>
             <a:endParaRPr lang="en-IN"/>
           </a:p>
@@ -12475,7 +12480,7 @@
           <a:p>
             <a:fld id="{5F71AB72-B2C5-44B5-90C7-8DCE8540FC7A}" type="datetimeFigureOut">
               <a:rPr lang="en-IN" smtClean="0"/>
-              <a:t>02-06-2020</a:t>
+              <a:t>03-06-2020</a:t>
             </a:fld>
             <a:endParaRPr lang="en-IN"/>
           </a:p>
@@ -12620,7 +12625,7 @@
           <a:p>
             <a:fld id="{5F71AB72-B2C5-44B5-90C7-8DCE8540FC7A}" type="datetimeFigureOut">
               <a:rPr lang="en-IN" smtClean="0"/>
-              <a:t>02-06-2020</a:t>
+              <a:t>03-06-2020</a:t>
             </a:fld>
             <a:endParaRPr lang="en-IN"/>
           </a:p>
@@ -12736,7 +12741,7 @@
           <a:p>
             <a:fld id="{5F71AB72-B2C5-44B5-90C7-8DCE8540FC7A}" type="datetimeFigureOut">
               <a:rPr lang="en-IN" smtClean="0"/>
-              <a:t>02-06-2020</a:t>
+              <a:t>03-06-2020</a:t>
             </a:fld>
             <a:endParaRPr lang="en-IN"/>
           </a:p>
@@ -13052,7 +13057,7 @@
           <a:p>
             <a:fld id="{5F71AB72-B2C5-44B5-90C7-8DCE8540FC7A}" type="datetimeFigureOut">
               <a:rPr lang="en-IN" smtClean="0"/>
-              <a:t>02-06-2020</a:t>
+              <a:t>03-06-2020</a:t>
             </a:fld>
             <a:endParaRPr lang="en-IN"/>
           </a:p>
@@ -13344,7 +13349,7 @@
           <a:p>
             <a:fld id="{5F71AB72-B2C5-44B5-90C7-8DCE8540FC7A}" type="datetimeFigureOut">
               <a:rPr lang="en-IN" smtClean="0"/>
-              <a:t>02-06-2020</a:t>
+              <a:t>03-06-2020</a:t>
             </a:fld>
             <a:endParaRPr lang="en-IN"/>
           </a:p>
@@ -13609,7 +13614,7 @@
           <a:p>
             <a:fld id="{5F71AB72-B2C5-44B5-90C7-8DCE8540FC7A}" type="datetimeFigureOut">
               <a:rPr lang="en-IN" smtClean="0"/>
-              <a:t>02-06-2020</a:t>
+              <a:t>03-06-2020</a:t>
             </a:fld>
             <a:endParaRPr lang="en-IN"/>
           </a:p>
@@ -14329,7 +14334,7 @@
             </a:pPr>
             <a:r>
               <a:rPr lang="en-US" sz="2200" dirty="0"/>
-              <a:t>The WHO estimates that over 4 million premature deaths occur annually from household air pollution-related diseases including pneumonia [1].</a:t>
+              <a:t>4 million premature deaths occur annually [1].</a:t>
             </a:r>
           </a:p>
           <a:p>
@@ -14340,7 +14345,7 @@
             </a:pPr>
             <a:r>
               <a:rPr lang="en-US" sz="2200" dirty="0"/>
-              <a:t>Over 150 million people get infected with pneumonia on an annual basis especially children under 5 years old [2].</a:t>
+              <a:t>Over 150 million people get infected with pneumonia every year[2].</a:t>
             </a:r>
           </a:p>
           <a:p>
@@ -14351,7 +14356,7 @@
             </a:pPr>
             <a:r>
               <a:rPr lang="en-US" sz="2200" dirty="0"/>
-              <a:t>Accurate and fast diagnosis  can guarantee timely access to treatment and save much needed time and money for those already experiencing poverty.</a:t>
+              <a:t>Accurate and fast diagnosis  can guarantee timely access to treatment and save time and money</a:t>
             </a:r>
             <a:endParaRPr lang="en-IN" sz="2200" dirty="0"/>
           </a:p>
